--- a/term_project/infographic.pptx
+++ b/term_project/infographic.pptx
@@ -3143,15 +3143,20 @@
               </a:spcBef>
             </a:pPr>
             <a:r>
-              <a:rPr lang="en-US" sz="1261" dirty="0">
+              <a:rPr lang="en-US" sz="1400" dirty="0">
                 <a:solidFill>
-                  <a:srgbClr val="FFFFFF"/>
+                  <a:schemeClr val="bg1"/>
                 </a:solidFill>
-                <a:latin typeface="Arial"/>
-                <a:cs typeface="Arial"/>
               </a:rPr>
-              <a:t>Airlines Safety</a:t>
-            </a:r>
+              <a:t>Is Flying more fatal than driving</a:t>
+            </a:r>
+            <a:endParaRPr lang="en-US" sz="1400" dirty="0">
+              <a:solidFill>
+                <a:schemeClr val="bg1"/>
+              </a:solidFill>
+              <a:latin typeface="Arial"/>
+              <a:cs typeface="Arial"/>
+            </a:endParaRPr>
           </a:p>
         </p:txBody>
       </p:sp>
@@ -3266,7 +3271,7 @@
         </p:blipFill>
         <p:spPr>
           <a:xfrm>
-            <a:off x="132186" y="1295400"/>
+            <a:off x="46606" y="2286000"/>
             <a:ext cx="5257800" cy="4038600"/>
           </a:xfrm>
           <a:prstGeom prst="rect">
@@ -3309,7 +3314,7 @@
         </p:blipFill>
         <p:spPr>
           <a:xfrm>
-            <a:off x="85531" y="8001000"/>
+            <a:off x="85531" y="7696200"/>
             <a:ext cx="5354214" cy="3886201"/>
           </a:xfrm>
           <a:prstGeom prst="rect">
@@ -3387,8 +3392,8 @@
         </p:blipFill>
         <p:spPr>
           <a:xfrm>
-            <a:off x="326447" y="3429000"/>
-            <a:ext cx="1891307" cy="1752600"/>
+            <a:off x="326447" y="4002850"/>
+            <a:ext cx="2349059" cy="1752600"/>
           </a:xfrm>
           <a:prstGeom prst="rect">
             <a:avLst/>
@@ -3429,7 +3434,7 @@
         </p:blipFill>
         <p:spPr>
           <a:xfrm>
-            <a:off x="3352800" y="1447800"/>
+            <a:off x="2970243" y="2435301"/>
             <a:ext cx="1883352" cy="1524000"/>
           </a:xfrm>
           <a:prstGeom prst="rect">
@@ -3471,7 +3476,7 @@
         </p:blipFill>
         <p:spPr>
           <a:xfrm>
-            <a:off x="3268646" y="3580110"/>
+            <a:off x="3268646" y="5220751"/>
             <a:ext cx="1967506" cy="1601490"/>
           </a:xfrm>
           <a:prstGeom prst="rect">
@@ -3513,8 +3518,8 @@
         </p:blipFill>
         <p:spPr>
           <a:xfrm>
-            <a:off x="278975" y="8540845"/>
-            <a:ext cx="2235625" cy="1441355"/>
+            <a:off x="1676400" y="7391631"/>
+            <a:ext cx="2235625" cy="947606"/>
           </a:xfrm>
           <a:prstGeom prst="rect">
             <a:avLst/>
@@ -3555,7 +3560,7 @@
         </p:blipFill>
         <p:spPr>
           <a:xfrm>
-            <a:off x="3041786" y="10388080"/>
+            <a:off x="3041786" y="10083280"/>
             <a:ext cx="2216014" cy="1270520"/>
           </a:xfrm>
           <a:prstGeom prst="rect">
@@ -3597,7 +3602,7 @@
         </p:blipFill>
         <p:spPr>
           <a:xfrm>
-            <a:off x="304800" y="10363200"/>
+            <a:off x="304800" y="10058400"/>
             <a:ext cx="2370706" cy="1307613"/>
           </a:xfrm>
           <a:prstGeom prst="rect">
@@ -3617,41 +3622,6 @@
           </a:effectLst>
         </p:spPr>
       </p:pic>
-      <p:sp>
-        <p:nvSpPr>
-          <p:cNvPr id="15" name="TextBox 14">
-            <a:extLst>
-              <a:ext uri="{FF2B5EF4-FFF2-40B4-BE49-F238E27FC236}">
-                <a16:creationId xmlns:a16="http://schemas.microsoft.com/office/drawing/2014/main" id="{43962B68-732E-41F4-A94C-2BDA15EA20C0}"/>
-              </a:ext>
-            </a:extLst>
-          </p:cNvPr>
-          <p:cNvSpPr txBox="1"/>
-          <p:nvPr/>
-        </p:nvSpPr>
-        <p:spPr>
-          <a:xfrm>
-            <a:off x="136481" y="12113568"/>
-            <a:ext cx="2298028" cy="230832"/>
-          </a:xfrm>
-          <a:prstGeom prst="rect">
-            <a:avLst/>
-          </a:prstGeom>
-          <a:noFill/>
-        </p:spPr>
-        <p:txBody>
-          <a:bodyPr wrap="square">
-            <a:spAutoFit/>
-          </a:bodyPr>
-          <a:lstStyle/>
-          <a:p>
-            <a:r>
-              <a:rPr lang="en-US" sz="450" dirty="0"/>
-              <a:t>https://commetric.com/wp-content/uploads/2019/04/Boeing-Ethiopian-Crash-795x500.jpg</a:t>
-            </a:r>
-          </a:p>
-        </p:txBody>
-      </p:sp>
       <p:pic>
         <p:nvPicPr>
           <p:cNvPr id="17" name="Picture 16" descr="Chart, line chart&#10;&#10;Description automatically generated">
@@ -3674,8 +3644,8 @@
         </p:blipFill>
         <p:spPr>
           <a:xfrm>
-            <a:off x="3064768" y="8540844"/>
-            <a:ext cx="2217754" cy="1529995"/>
+            <a:off x="1668446" y="8711680"/>
+            <a:ext cx="2217754" cy="1054359"/>
           </a:xfrm>
           <a:prstGeom prst="rect">
             <a:avLst/>
@@ -3694,6 +3664,655 @@
           </a:effectLst>
         </p:spPr>
       </p:pic>
+      <p:sp>
+        <p:nvSpPr>
+          <p:cNvPr id="20" name="TextBox 19">
+            <a:extLst>
+              <a:ext uri="{FF2B5EF4-FFF2-40B4-BE49-F238E27FC236}">
+                <a16:creationId xmlns:a16="http://schemas.microsoft.com/office/drawing/2014/main" id="{6EE635C4-E5E1-4320-AA3D-F61EDCF3CA8C}"/>
+              </a:ext>
+            </a:extLst>
+          </p:cNvPr>
+          <p:cNvSpPr txBox="1"/>
+          <p:nvPr/>
+        </p:nvSpPr>
+        <p:spPr>
+          <a:xfrm>
+            <a:off x="85530" y="11963400"/>
+            <a:ext cx="5354213" cy="784830"/>
+          </a:xfrm>
+          <a:prstGeom prst="rect">
+            <a:avLst/>
+          </a:prstGeom>
+          <a:noFill/>
+        </p:spPr>
+        <p:txBody>
+          <a:bodyPr wrap="square">
+            <a:spAutoFit/>
+          </a:bodyPr>
+          <a:lstStyle/>
+          <a:p>
+            <a:r>
+              <a:rPr lang="en-US" sz="900" dirty="0">
+                <a:latin typeface="+mj-lt"/>
+              </a:rPr>
+              <a:t>https://commetric.com/wp-content/uploads/2019/04/Boeing-Ethiopian-Crash-795x500.jpg</a:t>
+            </a:r>
+            <a:endParaRPr lang="en-US" sz="900" dirty="0">
+              <a:effectLst/>
+              <a:latin typeface="+mj-lt"/>
+              <a:ea typeface="Cambria" panose="02040503050406030204" pitchFamily="18" charset="0"/>
+              <a:cs typeface="Times New Roman" panose="02020603050405020304" pitchFamily="18" charset="0"/>
+            </a:endParaRPr>
+          </a:p>
+          <a:p>
+            <a:r>
+              <a:rPr lang="en-US" sz="900" dirty="0">
+                <a:effectLst/>
+                <a:latin typeface="+mj-lt"/>
+                <a:ea typeface="Cambria" panose="02040503050406030204" pitchFamily="18" charset="0"/>
+                <a:cs typeface="Times New Roman" panose="02020603050405020304" pitchFamily="18" charset="0"/>
+                <a:hlinkClick r:id="rId14"/>
+              </a:rPr>
+              <a:t>https://github.com/fivethirtyeight/data/tree/master/airline-safetyhttps://github.com/fivethirtyeight/data/tree/master/airline-safety</a:t>
+            </a:r>
+            <a:endParaRPr lang="en-US" sz="900" dirty="0">
+              <a:effectLst/>
+              <a:latin typeface="+mj-lt"/>
+              <a:ea typeface="Cambria" panose="02040503050406030204" pitchFamily="18" charset="0"/>
+              <a:cs typeface="Times New Roman" panose="02020603050405020304" pitchFamily="18" charset="0"/>
+            </a:endParaRPr>
+          </a:p>
+          <a:p>
+            <a:r>
+              <a:rPr lang="en-US" sz="900" u="sng" dirty="0">
+                <a:solidFill>
+                  <a:srgbClr val="835D00"/>
+                </a:solidFill>
+                <a:effectLst/>
+                <a:latin typeface="+mj-lt"/>
+                <a:ea typeface="Constantia" panose="02030602050306030303" pitchFamily="18" charset="0"/>
+                <a:cs typeface="Times New Roman" panose="02020603050405020304" pitchFamily="18" charset="0"/>
+                <a:hlinkClick r:id="rId15"/>
+              </a:rPr>
+              <a:t>http://www.informationisbeautiful.net/visualizations/plane-truth-every-single-commercial-plane-crash-visualized/</a:t>
+            </a:r>
+            <a:endParaRPr lang="en-US" sz="900" dirty="0">
+              <a:latin typeface="+mj-lt"/>
+              <a:ea typeface="Cambria" panose="02040503050406030204" pitchFamily="18" charset="0"/>
+            </a:endParaRPr>
+          </a:p>
+        </p:txBody>
+      </p:sp>
+      <p:sp>
+        <p:nvSpPr>
+          <p:cNvPr id="21" name="TextBox 20">
+            <a:extLst>
+              <a:ext uri="{FF2B5EF4-FFF2-40B4-BE49-F238E27FC236}">
+                <a16:creationId xmlns:a16="http://schemas.microsoft.com/office/drawing/2014/main" id="{809B486B-7DB4-4DE3-9FFF-F40B7E81F536}"/>
+              </a:ext>
+            </a:extLst>
+          </p:cNvPr>
+          <p:cNvSpPr txBox="1"/>
+          <p:nvPr/>
+        </p:nvSpPr>
+        <p:spPr>
+          <a:xfrm>
+            <a:off x="76200" y="11734800"/>
+            <a:ext cx="1925214" cy="246221"/>
+          </a:xfrm>
+          <a:prstGeom prst="rect">
+            <a:avLst/>
+          </a:prstGeom>
+          <a:noFill/>
+        </p:spPr>
+        <p:txBody>
+          <a:bodyPr wrap="square" rtlCol="0">
+            <a:spAutoFit/>
+          </a:bodyPr>
+          <a:lstStyle/>
+          <a:p>
+            <a:r>
+              <a:rPr lang="en-US" sz="1000" dirty="0">
+                <a:latin typeface="+mj-lt"/>
+              </a:rPr>
+              <a:t>References</a:t>
+            </a:r>
+          </a:p>
+        </p:txBody>
+      </p:sp>
+      <p:sp>
+        <p:nvSpPr>
+          <p:cNvPr id="22" name="TextBox 21">
+            <a:extLst>
+              <a:ext uri="{FF2B5EF4-FFF2-40B4-BE49-F238E27FC236}">
+                <a16:creationId xmlns:a16="http://schemas.microsoft.com/office/drawing/2014/main" id="{93A89971-EC9E-4CC6-B846-C71FC0957DB8}"/>
+              </a:ext>
+            </a:extLst>
+          </p:cNvPr>
+          <p:cNvSpPr txBox="1"/>
+          <p:nvPr/>
+        </p:nvSpPr>
+        <p:spPr>
+          <a:xfrm>
+            <a:off x="132186" y="334750"/>
+            <a:ext cx="5150336" cy="923330"/>
+          </a:xfrm>
+          <a:prstGeom prst="rect">
+            <a:avLst/>
+          </a:prstGeom>
+          <a:noFill/>
+        </p:spPr>
+        <p:txBody>
+          <a:bodyPr wrap="square" rtlCol="0">
+            <a:spAutoFit/>
+          </a:bodyPr>
+          <a:lstStyle/>
+          <a:p>
+            <a:r>
+              <a:rPr lang="en-US" sz="900" dirty="0"/>
+              <a:t>Despite the recent tragic loss activity, flying is often said to be the safest form of transport, and this is at least true in terms of fatalities per distance travelled. According to the Civil Aviation Authority, the fatality rate per billion </a:t>
+            </a:r>
+            <a:r>
+              <a:rPr lang="en-US" sz="900" dirty="0" err="1"/>
+              <a:t>kilometres</a:t>
+            </a:r>
+            <a:r>
+              <a:rPr lang="en-US" sz="900" dirty="0"/>
+              <a:t> travelled by plane is 0.003 compared to 0.27 by rail and 2.57 by car. In absolute numbers, driving is more dangerous, with more than 5 million accidents compared to 20 accidents in flying. A more direct comparison per 100 million miles pits driving's 1.27 fatalities and 80 injuries against flying's lack of deaths and almost no injuries, which again shows air travel to be safer.</a:t>
+            </a:r>
+          </a:p>
+        </p:txBody>
+      </p:sp>
+      <p:sp>
+        <p:nvSpPr>
+          <p:cNvPr id="24" name="Oval 23">
+            <a:extLst>
+              <a:ext uri="{FF2B5EF4-FFF2-40B4-BE49-F238E27FC236}">
+                <a16:creationId xmlns:a16="http://schemas.microsoft.com/office/drawing/2014/main" id="{A49C1F12-672A-489D-B760-C67A85AE4504}"/>
+              </a:ext>
+            </a:extLst>
+          </p:cNvPr>
+          <p:cNvSpPr/>
+          <p:nvPr/>
+        </p:nvSpPr>
+        <p:spPr>
+          <a:xfrm>
+            <a:off x="2675506" y="1371600"/>
+            <a:ext cx="1883352" cy="762001"/>
+          </a:xfrm>
+          <a:prstGeom prst="ellipse">
+            <a:avLst/>
+          </a:prstGeom>
+          <a:solidFill>
+            <a:schemeClr val="accent5">
+              <a:lumMod val="20000"/>
+              <a:lumOff val="80000"/>
+            </a:schemeClr>
+          </a:solidFill>
+          <a:ln>
+            <a:noFill/>
+          </a:ln>
+          <a:effectLst>
+            <a:outerShdw blurRad="50800" dist="38100" dir="2700000" algn="tl" rotWithShape="0">
+              <a:prstClr val="black">
+                <a:alpha val="40000"/>
+              </a:prstClr>
+            </a:outerShdw>
+          </a:effectLst>
+        </p:spPr>
+        <p:style>
+          <a:lnRef idx="2">
+            <a:schemeClr val="accent6">
+              <a:shade val="50000"/>
+            </a:schemeClr>
+          </a:lnRef>
+          <a:fillRef idx="1">
+            <a:schemeClr val="accent6"/>
+          </a:fillRef>
+          <a:effectRef idx="0">
+            <a:schemeClr val="accent6"/>
+          </a:effectRef>
+          <a:fontRef idx="minor">
+            <a:schemeClr val="lt1"/>
+          </a:fontRef>
+        </p:style>
+        <p:txBody>
+          <a:bodyPr rtlCol="0" anchor="ctr"/>
+          <a:lstStyle/>
+          <a:p>
+            <a:pPr algn="ctr"/>
+            <a:r>
+              <a:rPr lang="en-US" sz="1000" dirty="0">
+                <a:solidFill>
+                  <a:srgbClr val="00B050"/>
+                </a:solidFill>
+                <a:latin typeface="Cambria" panose="02040503050406030204" pitchFamily="18" charset="0"/>
+                <a:ea typeface="Cambria" panose="02040503050406030204" pitchFamily="18" charset="0"/>
+              </a:rPr>
+              <a:t>Airlines fatality is much lower compared to the incidents</a:t>
+            </a:r>
+          </a:p>
+        </p:txBody>
+      </p:sp>
+      <p:sp>
+        <p:nvSpPr>
+          <p:cNvPr id="25" name="Oval 24">
+            <a:extLst>
+              <a:ext uri="{FF2B5EF4-FFF2-40B4-BE49-F238E27FC236}">
+                <a16:creationId xmlns:a16="http://schemas.microsoft.com/office/drawing/2014/main" id="{DA75B0D7-6CD8-428F-87D7-4CE4BBD34AC3}"/>
+              </a:ext>
+            </a:extLst>
+          </p:cNvPr>
+          <p:cNvSpPr/>
+          <p:nvPr/>
+        </p:nvSpPr>
+        <p:spPr>
+          <a:xfrm>
+            <a:off x="429924" y="3065121"/>
+            <a:ext cx="1883352" cy="762001"/>
+          </a:xfrm>
+          <a:prstGeom prst="ellipse">
+            <a:avLst/>
+          </a:prstGeom>
+          <a:solidFill>
+            <a:schemeClr val="accent5">
+              <a:lumMod val="20000"/>
+              <a:lumOff val="80000"/>
+            </a:schemeClr>
+          </a:solidFill>
+          <a:ln>
+            <a:noFill/>
+          </a:ln>
+          <a:effectLst>
+            <a:outerShdw blurRad="50800" dist="38100" dir="2700000" algn="tl" rotWithShape="0">
+              <a:prstClr val="black">
+                <a:alpha val="40000"/>
+              </a:prstClr>
+            </a:outerShdw>
+          </a:effectLst>
+        </p:spPr>
+        <p:style>
+          <a:lnRef idx="2">
+            <a:schemeClr val="accent6">
+              <a:shade val="50000"/>
+            </a:schemeClr>
+          </a:lnRef>
+          <a:fillRef idx="1">
+            <a:schemeClr val="accent6"/>
+          </a:fillRef>
+          <a:effectRef idx="0">
+            <a:schemeClr val="accent6"/>
+          </a:effectRef>
+          <a:fontRef idx="minor">
+            <a:schemeClr val="lt1"/>
+          </a:fontRef>
+        </p:style>
+        <p:txBody>
+          <a:bodyPr rtlCol="0" anchor="ctr"/>
+          <a:lstStyle/>
+          <a:p>
+            <a:pPr algn="ctr"/>
+            <a:r>
+              <a:rPr lang="en-US" sz="1000" dirty="0">
+                <a:solidFill>
+                  <a:srgbClr val="00B050"/>
+                </a:solidFill>
+                <a:latin typeface="Cambria" panose="02040503050406030204" pitchFamily="18" charset="0"/>
+                <a:ea typeface="Cambria" panose="02040503050406030204" pitchFamily="18" charset="0"/>
+              </a:rPr>
+              <a:t>Handful of Airlines share of fatality in the incidents</a:t>
+            </a:r>
+          </a:p>
+        </p:txBody>
+      </p:sp>
+      <p:sp>
+        <p:nvSpPr>
+          <p:cNvPr id="26" name="Oval 25">
+            <a:extLst>
+              <a:ext uri="{FF2B5EF4-FFF2-40B4-BE49-F238E27FC236}">
+                <a16:creationId xmlns:a16="http://schemas.microsoft.com/office/drawing/2014/main" id="{3696A1B7-EB4B-4DB7-B78A-B3D7DB01C0FA}"/>
+              </a:ext>
+            </a:extLst>
+          </p:cNvPr>
+          <p:cNvSpPr/>
+          <p:nvPr/>
+        </p:nvSpPr>
+        <p:spPr>
+          <a:xfrm>
+            <a:off x="2970712" y="4136855"/>
+            <a:ext cx="1883352" cy="762001"/>
+          </a:xfrm>
+          <a:prstGeom prst="ellipse">
+            <a:avLst/>
+          </a:prstGeom>
+          <a:solidFill>
+            <a:schemeClr val="accent5">
+              <a:lumMod val="20000"/>
+              <a:lumOff val="80000"/>
+            </a:schemeClr>
+          </a:solidFill>
+          <a:ln>
+            <a:noFill/>
+          </a:ln>
+          <a:effectLst>
+            <a:outerShdw blurRad="50800" dist="38100" dir="2700000" algn="tl" rotWithShape="0">
+              <a:prstClr val="black">
+                <a:alpha val="40000"/>
+              </a:prstClr>
+            </a:outerShdw>
+          </a:effectLst>
+        </p:spPr>
+        <p:style>
+          <a:lnRef idx="2">
+            <a:schemeClr val="accent6">
+              <a:shade val="50000"/>
+            </a:schemeClr>
+          </a:lnRef>
+          <a:fillRef idx="1">
+            <a:schemeClr val="accent6"/>
+          </a:fillRef>
+          <a:effectRef idx="0">
+            <a:schemeClr val="accent6"/>
+          </a:effectRef>
+          <a:fontRef idx="minor">
+            <a:schemeClr val="lt1"/>
+          </a:fontRef>
+        </p:style>
+        <p:txBody>
+          <a:bodyPr rtlCol="0" anchor="ctr"/>
+          <a:lstStyle/>
+          <a:p>
+            <a:pPr algn="ctr"/>
+            <a:r>
+              <a:rPr lang="en-US" sz="1000" dirty="0">
+                <a:solidFill>
+                  <a:srgbClr val="00B050"/>
+                </a:solidFill>
+                <a:latin typeface="Cambria" panose="02040503050406030204" pitchFamily="18" charset="0"/>
+                <a:ea typeface="Cambria" panose="02040503050406030204" pitchFamily="18" charset="0"/>
+              </a:rPr>
+              <a:t>Airlines fatality reducing with improving of technology</a:t>
+            </a:r>
+          </a:p>
+        </p:txBody>
+      </p:sp>
+      <p:sp>
+        <p:nvSpPr>
+          <p:cNvPr id="27" name="Oval 26">
+            <a:extLst>
+              <a:ext uri="{FF2B5EF4-FFF2-40B4-BE49-F238E27FC236}">
+                <a16:creationId xmlns:a16="http://schemas.microsoft.com/office/drawing/2014/main" id="{CD70E3E5-18A0-4ADC-9A38-DE7247871C20}"/>
+              </a:ext>
+            </a:extLst>
+          </p:cNvPr>
+          <p:cNvSpPr/>
+          <p:nvPr/>
+        </p:nvSpPr>
+        <p:spPr>
+          <a:xfrm>
+            <a:off x="1147542" y="5973937"/>
+            <a:ext cx="1883352" cy="762001"/>
+          </a:xfrm>
+          <a:prstGeom prst="ellipse">
+            <a:avLst/>
+          </a:prstGeom>
+          <a:solidFill>
+            <a:schemeClr val="accent5">
+              <a:lumMod val="20000"/>
+              <a:lumOff val="80000"/>
+            </a:schemeClr>
+          </a:solidFill>
+          <a:ln>
+            <a:noFill/>
+          </a:ln>
+          <a:effectLst>
+            <a:outerShdw blurRad="50800" dist="38100" dir="2700000" algn="tl" rotWithShape="0">
+              <a:prstClr val="black">
+                <a:alpha val="40000"/>
+              </a:prstClr>
+            </a:outerShdw>
+          </a:effectLst>
+        </p:spPr>
+        <p:style>
+          <a:lnRef idx="2">
+            <a:schemeClr val="accent6">
+              <a:shade val="50000"/>
+            </a:schemeClr>
+          </a:lnRef>
+          <a:fillRef idx="1">
+            <a:schemeClr val="accent6"/>
+          </a:fillRef>
+          <a:effectRef idx="0">
+            <a:schemeClr val="accent6"/>
+          </a:effectRef>
+          <a:fontRef idx="minor">
+            <a:schemeClr val="lt1"/>
+          </a:fontRef>
+        </p:style>
+        <p:txBody>
+          <a:bodyPr rtlCol="0" anchor="ctr"/>
+          <a:lstStyle/>
+          <a:p>
+            <a:pPr algn="ctr"/>
+            <a:r>
+              <a:rPr lang="en-US" sz="1000" dirty="0">
+                <a:solidFill>
+                  <a:srgbClr val="00B050"/>
+                </a:solidFill>
+                <a:latin typeface="Cambria" panose="02040503050406030204" pitchFamily="18" charset="0"/>
+                <a:ea typeface="Cambria" panose="02040503050406030204" pitchFamily="18" charset="0"/>
+              </a:rPr>
+              <a:t>Fatal Incidents are much lower compared to Incidents</a:t>
+            </a:r>
+          </a:p>
+        </p:txBody>
+      </p:sp>
+      <p:sp>
+        <p:nvSpPr>
+          <p:cNvPr id="28" name="TextBox 27">
+            <a:extLst>
+              <a:ext uri="{FF2B5EF4-FFF2-40B4-BE49-F238E27FC236}">
+                <a16:creationId xmlns:a16="http://schemas.microsoft.com/office/drawing/2014/main" id="{5AD22DA7-3F2C-4050-BBB7-03C643CC1261}"/>
+              </a:ext>
+            </a:extLst>
+          </p:cNvPr>
+          <p:cNvSpPr txBox="1"/>
+          <p:nvPr/>
+        </p:nvSpPr>
+        <p:spPr>
+          <a:xfrm>
+            <a:off x="1744645" y="6915090"/>
+            <a:ext cx="1865580" cy="400110"/>
+          </a:xfrm>
+          <a:prstGeom prst="rect">
+            <a:avLst/>
+          </a:prstGeom>
+          <a:noFill/>
+          <a:ln w="28575">
+            <a:solidFill>
+              <a:schemeClr val="accent1">
+                <a:lumMod val="50000"/>
+                <a:lumOff val="50000"/>
+              </a:schemeClr>
+            </a:solidFill>
+          </a:ln>
+        </p:spPr>
+        <p:txBody>
+          <a:bodyPr wrap="square" rtlCol="0">
+            <a:spAutoFit/>
+          </a:bodyPr>
+          <a:lstStyle/>
+          <a:p>
+            <a:r>
+              <a:rPr lang="en-US" sz="1000" dirty="0">
+                <a:latin typeface="Cambria" panose="02040503050406030204" pitchFamily="18" charset="0"/>
+                <a:ea typeface="Cambria" panose="02040503050406030204" pitchFamily="18" charset="0"/>
+              </a:rPr>
+              <a:t>Airlines fatality coming down over time</a:t>
+            </a:r>
+          </a:p>
+        </p:txBody>
+      </p:sp>
+      <p:sp>
+        <p:nvSpPr>
+          <p:cNvPr id="29" name="Rectangle 28">
+            <a:extLst>
+              <a:ext uri="{FF2B5EF4-FFF2-40B4-BE49-F238E27FC236}">
+                <a16:creationId xmlns:a16="http://schemas.microsoft.com/office/drawing/2014/main" id="{EFD436CF-6639-48F0-BAA3-D84513EEA648}"/>
+              </a:ext>
+            </a:extLst>
+          </p:cNvPr>
+          <p:cNvSpPr/>
+          <p:nvPr/>
+        </p:nvSpPr>
+        <p:spPr>
+          <a:xfrm>
+            <a:off x="1766292" y="6891312"/>
+            <a:ext cx="1891308" cy="400110"/>
+          </a:xfrm>
+          <a:prstGeom prst="rect">
+            <a:avLst/>
+          </a:prstGeom>
+          <a:solidFill>
+            <a:srgbClr val="FFDA70">
+              <a:alpha val="50000"/>
+            </a:srgbClr>
+          </a:solidFill>
+          <a:ln>
+            <a:noFill/>
+          </a:ln>
+        </p:spPr>
+        <p:style>
+          <a:lnRef idx="0">
+            <a:scrgbClr r="0" g="0" b="0"/>
+          </a:lnRef>
+          <a:fillRef idx="0">
+            <a:scrgbClr r="0" g="0" b="0"/>
+          </a:fillRef>
+          <a:effectRef idx="0">
+            <a:scrgbClr r="0" g="0" b="0"/>
+          </a:effectRef>
+          <a:fontRef idx="minor">
+            <a:schemeClr val="lt1"/>
+          </a:fontRef>
+        </p:style>
+        <p:txBody>
+          <a:bodyPr rtlCol="0" anchor="ctr"/>
+          <a:lstStyle/>
+          <a:p>
+            <a:pPr algn="ctr"/>
+            <a:endParaRPr lang="en-US"/>
+          </a:p>
+        </p:txBody>
+      </p:sp>
+      <p:sp>
+        <p:nvSpPr>
+          <p:cNvPr id="30" name="Oval 29">
+            <a:extLst>
+              <a:ext uri="{FF2B5EF4-FFF2-40B4-BE49-F238E27FC236}">
+                <a16:creationId xmlns:a16="http://schemas.microsoft.com/office/drawing/2014/main" id="{36DBB687-0325-4255-B281-CDBB77877441}"/>
+              </a:ext>
+            </a:extLst>
+          </p:cNvPr>
+          <p:cNvSpPr/>
+          <p:nvPr/>
+        </p:nvSpPr>
+        <p:spPr>
+          <a:xfrm>
+            <a:off x="4191000" y="8839200"/>
+            <a:ext cx="1045152" cy="863081"/>
+          </a:xfrm>
+          <a:prstGeom prst="ellipse">
+            <a:avLst/>
+          </a:prstGeom>
+        </p:spPr>
+        <p:style>
+          <a:lnRef idx="3">
+            <a:schemeClr val="lt1"/>
+          </a:lnRef>
+          <a:fillRef idx="1">
+            <a:schemeClr val="accent6"/>
+          </a:fillRef>
+          <a:effectRef idx="1">
+            <a:schemeClr val="accent6"/>
+          </a:effectRef>
+          <a:fontRef idx="minor">
+            <a:schemeClr val="lt1"/>
+          </a:fontRef>
+        </p:style>
+        <p:txBody>
+          <a:bodyPr rtlCol="0" anchor="ctr"/>
+          <a:lstStyle/>
+          <a:p>
+            <a:pPr algn="ctr"/>
+            <a:r>
+              <a:rPr lang="en-US" sz="1000" b="1" dirty="0">
+                <a:solidFill>
+                  <a:schemeClr val="tx2">
+                    <a:lumMod val="40000"/>
+                    <a:lumOff val="60000"/>
+                  </a:schemeClr>
+                </a:solidFill>
+                <a:latin typeface="Cambria" panose="02040503050406030204" pitchFamily="18" charset="0"/>
+                <a:ea typeface="Cambria" panose="02040503050406030204" pitchFamily="18" charset="0"/>
+              </a:rPr>
+              <a:t>Upward trend of vehicular accidents</a:t>
+            </a:r>
+          </a:p>
+        </p:txBody>
+      </p:sp>
+      <p:sp>
+        <p:nvSpPr>
+          <p:cNvPr id="31" name="Oval 30">
+            <a:extLst>
+              <a:ext uri="{FF2B5EF4-FFF2-40B4-BE49-F238E27FC236}">
+                <a16:creationId xmlns:a16="http://schemas.microsoft.com/office/drawing/2014/main" id="{B569379F-00A4-4165-83B8-21EE362ECA27}"/>
+              </a:ext>
+            </a:extLst>
+          </p:cNvPr>
+          <p:cNvSpPr/>
+          <p:nvPr/>
+        </p:nvSpPr>
+        <p:spPr>
+          <a:xfrm>
+            <a:off x="76200" y="8153400"/>
+            <a:ext cx="1396322" cy="1548881"/>
+          </a:xfrm>
+          <a:prstGeom prst="ellipse">
+            <a:avLst/>
+          </a:prstGeom>
+        </p:spPr>
+        <p:style>
+          <a:lnRef idx="1">
+            <a:schemeClr val="accent2"/>
+          </a:lnRef>
+          <a:fillRef idx="2">
+            <a:schemeClr val="accent2"/>
+          </a:fillRef>
+          <a:effectRef idx="1">
+            <a:schemeClr val="accent2"/>
+          </a:effectRef>
+          <a:fontRef idx="minor">
+            <a:schemeClr val="dk1"/>
+          </a:fontRef>
+        </p:style>
+        <p:txBody>
+          <a:bodyPr rtlCol="0" anchor="ctr"/>
+          <a:lstStyle/>
+          <a:p>
+            <a:pPr algn="ctr"/>
+            <a:r>
+              <a:rPr lang="en-US" sz="1000" b="1" dirty="0"/>
+              <a:t>odds of dying in a motor vehicle accident is 1 in 98 </a:t>
+            </a:r>
+            <a:endParaRPr lang="en-US" sz="1000" b="1" dirty="0">
+              <a:latin typeface="Cambria" panose="02040503050406030204" pitchFamily="18" charset="0"/>
+              <a:ea typeface="Cambria" panose="02040503050406030204" pitchFamily="18" charset="0"/>
+            </a:endParaRPr>
+          </a:p>
+        </p:txBody>
+      </p:sp>
     </p:spTree>
     <p:extLst>
       <p:ext uri="{BB962C8B-B14F-4D97-AF65-F5344CB8AC3E}">

--- a/term_project/infographic.pptx
+++ b/term_project/infographic.pptx
@@ -226,7 +226,7 @@
           <a:p>
             <a:fld id="{E91426BD-E17F-4764-AD4B-233F514BBAC8}" type="datetimeFigureOut">
               <a:rPr lang="en-US" smtClean="0"/>
-              <a:t>11/4/2021</a:t>
+              <a:t>11/6/2021</a:t>
             </a:fld>
             <a:endParaRPr lang="en-US" dirty="0"/>
           </a:p>
@@ -404,7 +404,7 @@
             <a:fld id="{C1FBD400-178C-4E46-8B1C-98070CB60EB4}" type="datetimeFigureOut">
               <a:rPr lang="en-US" smtClean="0"/>
               <a:pPr/>
-              <a:t>11/4/2021</a:t>
+              <a:t>11/6/2021</a:t>
             </a:fld>
             <a:endParaRPr lang="en-US" dirty="0"/>
           </a:p>
@@ -3796,7 +3796,7 @@
         <p:spPr>
           <a:xfrm>
             <a:off x="132186" y="334750"/>
-            <a:ext cx="5150336" cy="923330"/>
+            <a:ext cx="5150336" cy="954107"/>
           </a:xfrm>
           <a:prstGeom prst="rect">
             <a:avLst/>
@@ -3811,15 +3811,35 @@
           <a:p>
             <a:r>
               <a:rPr lang="en-US" sz="900" dirty="0"/>
-              <a:t>Despite the recent tragic loss activity, flying is often said to be the safest form of transport, and this is at least true in terms of fatalities per distance travelled. According to the Civil Aviation Authority, the fatality rate per billion </a:t>
-            </a:r>
-            <a:r>
-              <a:rPr lang="en-US" sz="900" dirty="0" err="1"/>
+              <a:t>Despite the recent tragic loss activity, </a:t>
+            </a:r>
+            <a:r>
+              <a:rPr lang="en-US" sz="1100" b="1" u="sng" dirty="0">
+                <a:highlight>
+                  <a:srgbClr val="FFFF00"/>
+                </a:highlight>
+              </a:rPr>
+              <a:t>flying is often said to be the safest form of transport</a:t>
+            </a:r>
+            <a:r>
+              <a:rPr lang="en-US" sz="900" dirty="0"/>
+              <a:t>, and this is at least true in terms of fatalities per distance travelled. According to the Civil Aviation Authority, </a:t>
+            </a:r>
+            <a:r>
+              <a:rPr lang="en-US" sz="900" b="1" dirty="0"/>
+              <a:t>the fatality rate per billion </a:t>
+            </a:r>
+            <a:r>
+              <a:rPr lang="en-US" sz="900" b="1" dirty="0" err="1"/>
               <a:t>kilometres</a:t>
             </a:r>
             <a:r>
+              <a:rPr lang="en-US" sz="900" b="1" dirty="0"/>
+              <a:t> travelled by plane is 0.003 compared to 0.27 by rail and 2.57 by car</a:t>
+            </a:r>
+            <a:r>
               <a:rPr lang="en-US" sz="900" dirty="0"/>
-              <a:t> travelled by plane is 0.003 compared to 0.27 by rail and 2.57 by car. In absolute numbers, driving is more dangerous, with more than 5 million accidents compared to 20 accidents in flying. A more direct comparison per 100 million miles pits driving's 1.27 fatalities and 80 injuries against flying's lack of deaths and almost no injuries, which again shows air travel to be safer.</a:t>
+              <a:t>. In absolute numbers, driving is more dangerous, with more than 5 million accidents compared to 20 accidents in flying. A more direct comparison per 100 million miles pits driving's 1.27 fatalities and 80 injuries against flying's lack of deaths and almost no injuries, which again shows air travel to be safer.</a:t>
             </a:r>
           </a:p>
         </p:txBody>
@@ -5228,11 +5248,12 @@
 </file>
 
 <file path=customXml/item1.xml><?xml version="1.0" encoding="utf-8"?>
-<p:properties xmlns:p="http://schemas.microsoft.com/office/2006/metadata/properties" xmlns:xsi="http://www.w3.org/2001/XMLSchema-instance" xmlns:pc="http://schemas.microsoft.com/office/infopath/2007/PartnerControls">
-  <documentManagement>
-    <MediaServiceKeyPoints xmlns="71af3243-3dd4-4a8d-8c0d-dd76da1f02a5" xsi:nil="true"/>
-  </documentManagement>
-</p:properties>
+<?mso-contentType ?>
+<FormTemplates xmlns="http://schemas.microsoft.com/sharepoint/v3/contenttype/forms">
+  <Display>DocumentLibraryForm</Display>
+  <Edit>DocumentLibraryForm</Edit>
+  <New>DocumentLibraryForm</New>
+</FormTemplates>
 </file>
 
 <file path=customXml/item2.xml><?xml version="1.0" encoding="utf-8"?>
@@ -5447,20 +5468,17 @@
 </file>
 
 <file path=customXml/item3.xml><?xml version="1.0" encoding="utf-8"?>
-<?mso-contentType ?>
-<FormTemplates xmlns="http://schemas.microsoft.com/sharepoint/v3/contenttype/forms">
-  <Display>DocumentLibraryForm</Display>
-  <Edit>DocumentLibraryForm</Edit>
-  <New>DocumentLibraryForm</New>
-</FormTemplates>
+<p:properties xmlns:p="http://schemas.microsoft.com/office/2006/metadata/properties" xmlns:xsi="http://www.w3.org/2001/XMLSchema-instance" xmlns:pc="http://schemas.microsoft.com/office/infopath/2007/PartnerControls">
+  <documentManagement>
+    <MediaServiceKeyPoints xmlns="71af3243-3dd4-4a8d-8c0d-dd76da1f02a5" xsi:nil="true"/>
+  </documentManagement>
+</p:properties>
 </file>
 
 <file path=customXml/itemProps1.xml><?xml version="1.0" encoding="utf-8"?>
-<ds:datastoreItem xmlns:ds="http://schemas.openxmlformats.org/officeDocument/2006/customXml" ds:itemID="{E6C1CB0A-BB6E-4E95-95A3-95BDF5FBAB70}">
+<ds:datastoreItem xmlns:ds="http://schemas.openxmlformats.org/officeDocument/2006/customXml" ds:itemID="{E430EB58-BCE7-41D9-A117-44B48F13F84B}">
   <ds:schemaRefs>
-    <ds:schemaRef ds:uri="http://schemas.microsoft.com/office/2006/metadata/properties"/>
-    <ds:schemaRef ds:uri="http://schemas.microsoft.com/office/infopath/2007/PartnerControls"/>
-    <ds:schemaRef ds:uri="71af3243-3dd4-4a8d-8c0d-dd76da1f02a5"/>
+    <ds:schemaRef ds:uri="http://schemas.microsoft.com/sharepoint/v3/contenttype/forms"/>
   </ds:schemaRefs>
 </ds:datastoreItem>
 </file>
@@ -5485,9 +5503,11 @@
 </file>
 
 <file path=customXml/itemProps3.xml><?xml version="1.0" encoding="utf-8"?>
-<ds:datastoreItem xmlns:ds="http://schemas.openxmlformats.org/officeDocument/2006/customXml" ds:itemID="{E430EB58-BCE7-41D9-A117-44B48F13F84B}">
+<ds:datastoreItem xmlns:ds="http://schemas.openxmlformats.org/officeDocument/2006/customXml" ds:itemID="{E6C1CB0A-BB6E-4E95-95A3-95BDF5FBAB70}">
   <ds:schemaRefs>
-    <ds:schemaRef ds:uri="http://schemas.microsoft.com/sharepoint/v3/contenttype/forms"/>
+    <ds:schemaRef ds:uri="http://schemas.microsoft.com/office/2006/metadata/properties"/>
+    <ds:schemaRef ds:uri="http://schemas.microsoft.com/office/infopath/2007/PartnerControls"/>
+    <ds:schemaRef ds:uri="71af3243-3dd4-4a8d-8c0d-dd76da1f02a5"/>
   </ds:schemaRefs>
 </ds:datastoreItem>
 </file>